--- a/第一周汇报.pptx
+++ b/第一周汇报.pptx
@@ -21,14 +21,16 @@
     <p:sldId id="276" r:id="rId14"/>
     <p:sldId id="268" r:id="rId15"/>
     <p:sldId id="267" r:id="rId16"/>
-    <p:sldId id="283" r:id="rId17"/>
-    <p:sldId id="282" r:id="rId18"/>
-    <p:sldId id="284" r:id="rId19"/>
+    <p:sldId id="299" r:id="rId17"/>
+    <p:sldId id="283" r:id="rId18"/>
+    <p:sldId id="282" r:id="rId19"/>
+    <p:sldId id="297" r:id="rId20"/>
+    <p:sldId id="284" r:id="rId21"/>
   </p:sldIdLst>
   <p:sldSz cx="12192000" cy="6858000"/>
   <p:notesSz cx="6858000" cy="9144000"/>
   <p:custDataLst>
-    <p:tags r:id="rId24"/>
+    <p:tags r:id="rId26"/>
   </p:custDataLst>
   <p:defaultTextStyle>
     <a:defPPr>
@@ -996,6 +998,172 @@
 </file>
 
 <file path=ppt/notesSlides/notesSlide15.xml><?xml version="1.0" encoding="utf-8"?>
+<p:notes xmlns:a="http://schemas.openxmlformats.org/drawingml/2006/main" xmlns:r="http://schemas.openxmlformats.org/officeDocument/2006/relationships" xmlns:p="http://schemas.openxmlformats.org/presentationml/2006/main">
+  <p:cSld>
+    <p:spTree>
+      <p:nvGrpSpPr>
+        <p:cNvPr id="1" name=""/>
+        <p:cNvGrpSpPr/>
+        <p:nvPr/>
+      </p:nvGrpSpPr>
+      <p:grpSpPr>
+        <a:xfrm>
+          <a:off x="0" y="0"/>
+          <a:ext cx="0" cy="0"/>
+          <a:chOff x="0" y="0"/>
+          <a:chExt cx="0" cy="0"/>
+        </a:xfrm>
+      </p:grpSpPr>
+      <p:sp>
+        <p:nvSpPr>
+          <p:cNvPr id="2" name="幻灯片图像占位符 1"/>
+          <p:cNvSpPr>
+            <a:spLocks noGrp="1" noRot="1" noChangeAspect="1"/>
+          </p:cNvSpPr>
+          <p:nvPr>
+            <p:ph type="sldImg"/>
+          </p:nvPr>
+        </p:nvSpPr>
+        <p:spPr>
+          <a:xfrm>
+            <a:off x="685800" y="1143000"/>
+            <a:ext cx="5486400" cy="3086100"/>
+          </a:xfrm>
+        </p:spPr>
+      </p:sp>
+      <p:sp>
+        <p:nvSpPr>
+          <p:cNvPr id="3" name="备注占位符 2"/>
+          <p:cNvSpPr>
+            <a:spLocks noGrp="1"/>
+          </p:cNvSpPr>
+          <p:nvPr>
+            <p:ph type="body" idx="1"/>
+          </p:nvPr>
+        </p:nvSpPr>
+        <p:spPr/>
+        <p:txBody>
+          <a:bodyPr/>
+          <a:lstStyle/>
+          <a:p>
+            <a:endParaRPr lang="zh-CN" altLang="en-US" dirty="0"/>
+          </a:p>
+        </p:txBody>
+      </p:sp>
+      <p:sp>
+        <p:nvSpPr>
+          <p:cNvPr id="4" name="灯片编号占位符 3"/>
+          <p:cNvSpPr>
+            <a:spLocks noGrp="1"/>
+          </p:cNvSpPr>
+          <p:nvPr>
+            <p:ph type="sldNum" sz="quarter" idx="5"/>
+          </p:nvPr>
+        </p:nvSpPr>
+        <p:spPr/>
+        <p:txBody>
+          <a:bodyPr/>
+          <a:lstStyle/>
+          <a:p>
+            <a:fld id="{1446E71C-7BB1-4059-B0EA-41C81C07F016}" type="slidenum">
+              <a:rPr lang="zh-CN" altLang="en-US" smtClean="0"/>
+            </a:fld>
+            <a:endParaRPr lang="zh-CN" altLang="en-US"/>
+          </a:p>
+        </p:txBody>
+      </p:sp>
+    </p:spTree>
+  </p:cSld>
+  <p:clrMapOvr>
+    <a:masterClrMapping/>
+  </p:clrMapOvr>
+</p:notes>
+</file>
+
+<file path=ppt/notesSlides/notesSlide16.xml><?xml version="1.0" encoding="utf-8"?>
+<p:notes xmlns:a="http://schemas.openxmlformats.org/drawingml/2006/main" xmlns:r="http://schemas.openxmlformats.org/officeDocument/2006/relationships" xmlns:p="http://schemas.openxmlformats.org/presentationml/2006/main">
+  <p:cSld>
+    <p:spTree>
+      <p:nvGrpSpPr>
+        <p:cNvPr id="1" name=""/>
+        <p:cNvGrpSpPr/>
+        <p:nvPr/>
+      </p:nvGrpSpPr>
+      <p:grpSpPr>
+        <a:xfrm>
+          <a:off x="0" y="0"/>
+          <a:ext cx="0" cy="0"/>
+          <a:chOff x="0" y="0"/>
+          <a:chExt cx="0" cy="0"/>
+        </a:xfrm>
+      </p:grpSpPr>
+      <p:sp>
+        <p:nvSpPr>
+          <p:cNvPr id="2" name="幻灯片图像占位符 1"/>
+          <p:cNvSpPr>
+            <a:spLocks noGrp="1" noRot="1" noChangeAspect="1"/>
+          </p:cNvSpPr>
+          <p:nvPr>
+            <p:ph type="sldImg"/>
+          </p:nvPr>
+        </p:nvSpPr>
+        <p:spPr>
+          <a:xfrm>
+            <a:off x="685800" y="1143000"/>
+            <a:ext cx="5486400" cy="3086100"/>
+          </a:xfrm>
+        </p:spPr>
+      </p:sp>
+      <p:sp>
+        <p:nvSpPr>
+          <p:cNvPr id="3" name="备注占位符 2"/>
+          <p:cNvSpPr>
+            <a:spLocks noGrp="1"/>
+          </p:cNvSpPr>
+          <p:nvPr>
+            <p:ph type="body" idx="1"/>
+          </p:nvPr>
+        </p:nvSpPr>
+        <p:spPr/>
+        <p:txBody>
+          <a:bodyPr/>
+          <a:lstStyle/>
+          <a:p>
+            <a:endParaRPr lang="zh-CN" altLang="en-US" dirty="0"/>
+          </a:p>
+        </p:txBody>
+      </p:sp>
+      <p:sp>
+        <p:nvSpPr>
+          <p:cNvPr id="4" name="灯片编号占位符 3"/>
+          <p:cNvSpPr>
+            <a:spLocks noGrp="1"/>
+          </p:cNvSpPr>
+          <p:nvPr>
+            <p:ph type="sldNum" sz="quarter" idx="5"/>
+          </p:nvPr>
+        </p:nvSpPr>
+        <p:spPr/>
+        <p:txBody>
+          <a:bodyPr/>
+          <a:lstStyle/>
+          <a:p>
+            <a:fld id="{1446E71C-7BB1-4059-B0EA-41C81C07F016}" type="slidenum">
+              <a:rPr lang="zh-CN" altLang="en-US" smtClean="0"/>
+            </a:fld>
+            <a:endParaRPr lang="zh-CN" altLang="en-US"/>
+          </a:p>
+        </p:txBody>
+      </p:sp>
+    </p:spTree>
+  </p:cSld>
+  <p:clrMapOvr>
+    <a:masterClrMapping/>
+  </p:clrMapOvr>
+</p:notes>
+</file>
+
+<file path=ppt/notesSlides/notesSlide17.xml><?xml version="1.0" encoding="utf-8"?>
 <p:notes xmlns:a="http://schemas.openxmlformats.org/drawingml/2006/main" xmlns:r="http://schemas.openxmlformats.org/officeDocument/2006/relationships" xmlns:p="http://schemas.openxmlformats.org/presentationml/2006/main">
   <p:cSld>
     <p:spTree>
@@ -8184,7 +8352,7 @@
                 <a:latin typeface="微软雅黑" panose="020B0503020204020204" charset="-122"/>
                 <a:ea typeface="微软雅黑" panose="020B0503020204020204" charset="-122"/>
               </a:rPr>
-              <a:t>已有研究中的风格迁移指标</a:t>
+              <a:t>已有研究中的风格损失函数</a:t>
             </a:r>
             <a:endParaRPr lang="zh-CN" sz="2000" b="1" spc="171" dirty="0">
               <a:solidFill>
@@ -8209,7 +8377,7 @@
         <p:spPr>
           <a:xfrm>
             <a:off x="182880" y="1384300"/>
-            <a:ext cx="6663690" cy="2306955"/>
+            <a:ext cx="6663690" cy="645160"/>
           </a:xfrm>
           <a:prstGeom prst="rect">
             <a:avLst/>
@@ -8225,13 +8393,19 @@
               <a:rPr lang="en-US">
                 <a:sym typeface="+mn-ea"/>
               </a:rPr>
-              <a:t>1.SRA</a:t>
+              <a:t>1.</a:t>
+            </a:r>
+            <a:r>
+              <a:rPr lang="zh-CN">
+                <a:sym typeface="+mn-ea"/>
+              </a:rPr>
+              <a:t>风格三元组损失</a:t>
             </a:r>
             <a:r>
               <a:rPr lang="zh-CN" altLang="en-US">
                 <a:sym typeface="+mn-ea"/>
               </a:rPr>
-              <a:t>：风格分类器来预测运动的风格标签的分类器来测量风格化集合上的SRA</a:t>
+              <a:t>：</a:t>
             </a:r>
             <a:endParaRPr lang="zh-CN" altLang="en-US">
               <a:sym typeface="+mn-ea"/>
@@ -8242,50 +8416,499 @@
               <a:sym typeface="+mn-ea"/>
             </a:endParaRPr>
           </a:p>
-          <a:p>
-            <a:r>
-              <a:rPr lang="en-US" altLang="zh-CN">
-                <a:sym typeface="+mn-ea"/>
-              </a:rPr>
-              <a:t>2.使具有相同样式标签的成对测试动作在长度上一致，以评估SC  </a:t>
-            </a:r>
-            <a:r>
-              <a:rPr lang="zh-CN" altLang="en-US">
-                <a:sym typeface="+mn-ea"/>
-              </a:rPr>
-              <a:t>（这个在舞蹈上不太现实）</a:t>
-            </a:r>
-            <a:r>
-              <a:rPr lang="en-US" altLang="zh-CN">
-                <a:sym typeface="+mn-ea"/>
-              </a:rPr>
-              <a:t> </a:t>
-            </a:r>
-            <a:endParaRPr lang="en-US" altLang="zh-CN">
-              <a:sym typeface="+mn-ea"/>
-            </a:endParaRPr>
-          </a:p>
-          <a:p>
-            <a:endParaRPr lang="en-US" altLang="zh-CN">
-              <a:sym typeface="+mn-ea"/>
-            </a:endParaRPr>
-          </a:p>
-          <a:p>
-            <a:r>
-              <a:rPr lang="en-US" altLang="zh-CN">
-                <a:sym typeface="+mn-ea"/>
-              </a:rPr>
-              <a:t>3.MFD</a:t>
-            </a:r>
-            <a:r>
-              <a:rPr lang="zh-CN" altLang="en-US">
-                <a:sym typeface="+mn-ea"/>
-              </a:rPr>
-              <a:t>：使用真实舞蹈动作和生成的舞蹈动作之间的Fréchet距离。基于关节速度，加速度计算</a:t>
+        </p:txBody>
+      </p:sp>
+      <p:pic>
+        <p:nvPicPr>
+          <p:cNvPr id="9" name="图片 8"/>
+          <p:cNvPicPr>
+            <a:picLocks noChangeAspect="1"/>
+          </p:cNvPicPr>
+          <p:nvPr>
+            <p:custDataLst>
+              <p:tags r:id="rId2"/>
+            </p:custDataLst>
+          </p:nvPr>
+        </p:nvPicPr>
+        <p:blipFill>
+          <a:blip r:embed="rId3"/>
+          <a:stretch>
+            <a:fillRect/>
+          </a:stretch>
+        </p:blipFill>
+        <p:spPr>
+          <a:xfrm>
+            <a:off x="2342515" y="1381760"/>
+            <a:ext cx="3587750" cy="647700"/>
+          </a:xfrm>
+          <a:prstGeom prst="rect">
+            <a:avLst/>
+          </a:prstGeom>
+        </p:spPr>
+      </p:pic>
+      <p:sp>
+        <p:nvSpPr>
+          <p:cNvPr id="2" name="文本框 1"/>
+          <p:cNvSpPr txBox="1"/>
+          <p:nvPr/>
+        </p:nvSpPr>
+        <p:spPr>
+          <a:xfrm>
+            <a:off x="6096000" y="1384300"/>
+            <a:ext cx="6096000" cy="368300"/>
+          </a:xfrm>
+          <a:prstGeom prst="rect">
+            <a:avLst/>
+          </a:prstGeom>
+          <a:noFill/>
+        </p:spPr>
+        <p:txBody>
+          <a:bodyPr wrap="square" rtlCol="0" anchor="t">
+            <a:spAutoFit/>
+          </a:bodyPr>
+          <a:p>
+            <a:r>
+              <a:rPr lang="zh-CN">
+                <a:sym typeface="+mn-ea"/>
+              </a:rPr>
+              <a:t>风格三元组损失以更好的在隐空间中聚类风格</a:t>
             </a:r>
             <a:endParaRPr lang="zh-CN" altLang="en-US">
               <a:sym typeface="+mn-ea"/>
             </a:endParaRPr>
+          </a:p>
+        </p:txBody>
+      </p:sp>
+      <p:sp>
+        <p:nvSpPr>
+          <p:cNvPr id="5" name="文本框 4"/>
+          <p:cNvSpPr txBox="1"/>
+          <p:nvPr/>
+        </p:nvSpPr>
+        <p:spPr>
+          <a:xfrm>
+            <a:off x="247015" y="2220595"/>
+            <a:ext cx="6096000" cy="368300"/>
+          </a:xfrm>
+          <a:prstGeom prst="rect">
+            <a:avLst/>
+          </a:prstGeom>
+          <a:noFill/>
+        </p:spPr>
+        <p:txBody>
+          <a:bodyPr wrap="square" rtlCol="0" anchor="t">
+            <a:spAutoFit/>
+          </a:bodyPr>
+          <a:p>
+            <a:r>
+              <a:rPr lang="en-US" altLang="zh-CN">
+                <a:sym typeface="+mn-ea"/>
+              </a:rPr>
+              <a:t>2.</a:t>
+            </a:r>
+            <a:r>
+              <a:rPr lang="zh-CN">
+                <a:sym typeface="+mn-ea"/>
+              </a:rPr>
+              <a:t>关节嵌入损失</a:t>
+            </a:r>
+            <a:endParaRPr lang="zh-CN" altLang="en-US">
+              <a:sym typeface="+mn-ea"/>
+            </a:endParaRPr>
+          </a:p>
+        </p:txBody>
+      </p:sp>
+      <p:pic>
+        <p:nvPicPr>
+          <p:cNvPr id="6" name="图片 5"/>
+          <p:cNvPicPr>
+            <a:picLocks noChangeAspect="1"/>
+          </p:cNvPicPr>
+          <p:nvPr>
+            <p:custDataLst>
+              <p:tags r:id="rId4"/>
+            </p:custDataLst>
+          </p:nvPr>
+        </p:nvPicPr>
+        <p:blipFill>
+          <a:blip r:embed="rId5"/>
+          <a:stretch>
+            <a:fillRect/>
+          </a:stretch>
+        </p:blipFill>
+        <p:spPr>
+          <a:xfrm>
+            <a:off x="2261870" y="2220595"/>
+            <a:ext cx="2952750" cy="336550"/>
+          </a:xfrm>
+          <a:prstGeom prst="rect">
+            <a:avLst/>
+          </a:prstGeom>
+        </p:spPr>
+      </p:pic>
+      <p:sp>
+        <p:nvSpPr>
+          <p:cNvPr id="12" name="文本框 11"/>
+          <p:cNvSpPr txBox="1"/>
+          <p:nvPr>
+            <p:custDataLst>
+              <p:tags r:id="rId6"/>
+            </p:custDataLst>
+          </p:nvPr>
+        </p:nvSpPr>
+        <p:spPr>
+          <a:xfrm>
+            <a:off x="6096000" y="2310130"/>
+            <a:ext cx="4994910" cy="368300"/>
+          </a:xfrm>
+          <a:prstGeom prst="rect">
+            <a:avLst/>
+          </a:prstGeom>
+          <a:noFill/>
+        </p:spPr>
+        <p:txBody>
+          <a:bodyPr wrap="square" rtlCol="0" anchor="t">
+            <a:spAutoFit/>
+          </a:bodyPr>
+          <a:p>
+            <a:r>
+              <a:rPr lang="zh-CN">
+                <a:sym typeface="+mn-ea"/>
+              </a:rPr>
+              <a:t>关节嵌入损失以更好的聚类</a:t>
+            </a:r>
+            <a:r>
+              <a:rPr lang="en-US" altLang="zh-CN">
+                <a:sym typeface="+mn-ea"/>
+              </a:rPr>
+              <a:t>3d</a:t>
+            </a:r>
+            <a:r>
+              <a:rPr lang="zh-CN" altLang="en-US">
+                <a:sym typeface="+mn-ea"/>
+              </a:rPr>
+              <a:t>和</a:t>
+            </a:r>
+            <a:r>
+              <a:rPr lang="en-US" altLang="zh-CN">
+                <a:sym typeface="+mn-ea"/>
+              </a:rPr>
+              <a:t>2d</a:t>
+            </a:r>
+            <a:r>
+              <a:rPr lang="zh-CN" altLang="en-US">
+                <a:sym typeface="+mn-ea"/>
+              </a:rPr>
+              <a:t>风格输入</a:t>
+            </a:r>
+            <a:endParaRPr lang="zh-CN" altLang="en-US">
+              <a:sym typeface="+mn-ea"/>
+            </a:endParaRPr>
+          </a:p>
+        </p:txBody>
+      </p:sp>
+      <p:sp>
+        <p:nvSpPr>
+          <p:cNvPr id="7" name="文本框 6"/>
+          <p:cNvSpPr txBox="1"/>
+          <p:nvPr>
+            <p:custDataLst>
+              <p:tags r:id="rId7"/>
+            </p:custDataLst>
+          </p:nvPr>
+        </p:nvSpPr>
+        <p:spPr>
+          <a:xfrm>
+            <a:off x="259080" y="3057525"/>
+            <a:ext cx="6096000" cy="368300"/>
+          </a:xfrm>
+          <a:prstGeom prst="rect">
+            <a:avLst/>
+          </a:prstGeom>
+          <a:noFill/>
+        </p:spPr>
+        <p:txBody>
+          <a:bodyPr wrap="square" rtlCol="0" anchor="t">
+            <a:spAutoFit/>
+          </a:bodyPr>
+          <a:p>
+            <a:r>
+              <a:rPr lang="en-US" altLang="zh-CN">
+                <a:sym typeface="+mn-ea"/>
+              </a:rPr>
+              <a:t>3.</a:t>
+            </a:r>
+            <a:r>
+              <a:rPr lang="zh-CN" altLang="en-US">
+                <a:sym typeface="+mn-ea"/>
+              </a:rPr>
+              <a:t>风格对比</a:t>
+            </a:r>
+            <a:r>
+              <a:rPr lang="zh-CN">
+                <a:sym typeface="+mn-ea"/>
+              </a:rPr>
+              <a:t>损失</a:t>
+            </a:r>
+            <a:endParaRPr lang="zh-CN" altLang="en-US">
+              <a:sym typeface="+mn-ea"/>
+            </a:endParaRPr>
+          </a:p>
+        </p:txBody>
+      </p:sp>
+      <p:pic>
+        <p:nvPicPr>
+          <p:cNvPr id="10" name="图片 9"/>
+          <p:cNvPicPr>
+            <a:picLocks noChangeAspect="1"/>
+          </p:cNvPicPr>
+          <p:nvPr>
+            <p:custDataLst>
+              <p:tags r:id="rId8"/>
+            </p:custDataLst>
+          </p:nvPr>
+        </p:nvPicPr>
+        <p:blipFill>
+          <a:blip r:embed="rId9"/>
+          <a:stretch>
+            <a:fillRect/>
+          </a:stretch>
+        </p:blipFill>
+        <p:spPr>
+          <a:xfrm>
+            <a:off x="2261870" y="2780030"/>
+            <a:ext cx="2717800" cy="895350"/>
+          </a:xfrm>
+          <a:prstGeom prst="rect">
+            <a:avLst/>
+          </a:prstGeom>
+        </p:spPr>
+      </p:pic>
+      <p:sp>
+        <p:nvSpPr>
+          <p:cNvPr id="11" name="文本框 10"/>
+          <p:cNvSpPr txBox="1"/>
+          <p:nvPr/>
+        </p:nvSpPr>
+        <p:spPr>
+          <a:xfrm>
+            <a:off x="6143625" y="3112770"/>
+            <a:ext cx="6096000" cy="368300"/>
+          </a:xfrm>
+          <a:prstGeom prst="rect">
+            <a:avLst/>
+          </a:prstGeom>
+          <a:noFill/>
+        </p:spPr>
+        <p:txBody>
+          <a:bodyPr wrap="square" rtlCol="0" anchor="t">
+            <a:spAutoFit/>
+          </a:bodyPr>
+          <a:p>
+            <a:r>
+              <a:rPr lang="zh-CN" altLang="en-US"/>
+              <a:t>解决不同风格类别之间的混淆问题</a:t>
+            </a:r>
+            <a:endParaRPr lang="zh-CN" altLang="en-US"/>
+          </a:p>
+        </p:txBody>
+      </p:sp>
+      <p:pic>
+        <p:nvPicPr>
+          <p:cNvPr id="13" name="图片 12"/>
+          <p:cNvPicPr>
+            <a:picLocks noChangeAspect="1"/>
+          </p:cNvPicPr>
+          <p:nvPr>
+            <p:custDataLst>
+              <p:tags r:id="rId10"/>
+            </p:custDataLst>
+          </p:nvPr>
+        </p:nvPicPr>
+        <p:blipFill>
+          <a:blip r:embed="rId11"/>
+          <a:stretch>
+            <a:fillRect/>
+          </a:stretch>
+        </p:blipFill>
+        <p:spPr>
+          <a:xfrm>
+            <a:off x="2900045" y="5408930"/>
+            <a:ext cx="4751705" cy="474345"/>
+          </a:xfrm>
+          <a:prstGeom prst="rect">
+            <a:avLst/>
+          </a:prstGeom>
+        </p:spPr>
+      </p:pic>
+      <p:sp>
+        <p:nvSpPr>
+          <p:cNvPr id="15" name="文本框 14"/>
+          <p:cNvSpPr txBox="1"/>
+          <p:nvPr>
+            <p:custDataLst>
+              <p:tags r:id="rId12"/>
+            </p:custDataLst>
+          </p:nvPr>
+        </p:nvSpPr>
+        <p:spPr>
+          <a:xfrm>
+            <a:off x="293370" y="5408930"/>
+            <a:ext cx="2653030" cy="368300"/>
+          </a:xfrm>
+          <a:prstGeom prst="rect">
+            <a:avLst/>
+          </a:prstGeom>
+          <a:noFill/>
+        </p:spPr>
+        <p:txBody>
+          <a:bodyPr wrap="square" rtlCol="0" anchor="t">
+            <a:spAutoFit/>
+          </a:bodyPr>
+          <a:p>
+            <a:r>
+              <a:rPr lang="en-US" altLang="zh-CN">
+                <a:sym typeface="+mn-ea"/>
+              </a:rPr>
+              <a:t>5.</a:t>
+            </a:r>
+            <a:r>
+              <a:rPr lang="zh-CN" altLang="en-US">
+                <a:sym typeface="+mn-ea"/>
+              </a:rPr>
+              <a:t>基于</a:t>
+            </a:r>
+            <a:r>
+              <a:rPr lang="en-US" altLang="zh-CN">
+                <a:sym typeface="+mn-ea"/>
+              </a:rPr>
+              <a:t>Gram</a:t>
+            </a:r>
+            <a:r>
+              <a:rPr lang="zh-CN" altLang="en-US">
+                <a:sym typeface="+mn-ea"/>
+              </a:rPr>
+              <a:t>的风格</a:t>
+            </a:r>
+            <a:r>
+              <a:rPr lang="zh-CN">
+                <a:sym typeface="+mn-ea"/>
+              </a:rPr>
+              <a:t>损失</a:t>
+            </a:r>
+            <a:endParaRPr lang="zh-CN" altLang="en-US">
+              <a:sym typeface="+mn-ea"/>
+            </a:endParaRPr>
+          </a:p>
+        </p:txBody>
+      </p:sp>
+      <p:pic>
+        <p:nvPicPr>
+          <p:cNvPr id="16" name="图片 15"/>
+          <p:cNvPicPr>
+            <a:picLocks noChangeAspect="1"/>
+          </p:cNvPicPr>
+          <p:nvPr>
+            <p:custDataLst>
+              <p:tags r:id="rId13"/>
+            </p:custDataLst>
+          </p:nvPr>
+        </p:nvPicPr>
+        <p:blipFill>
+          <a:blip r:embed="rId14"/>
+          <a:stretch>
+            <a:fillRect/>
+          </a:stretch>
+        </p:blipFill>
+        <p:spPr>
+          <a:xfrm>
+            <a:off x="2641600" y="4086860"/>
+            <a:ext cx="3454400" cy="622300"/>
+          </a:xfrm>
+          <a:prstGeom prst="rect">
+            <a:avLst/>
+          </a:prstGeom>
+        </p:spPr>
+      </p:pic>
+      <p:sp>
+        <p:nvSpPr>
+          <p:cNvPr id="17" name="文本框 16"/>
+          <p:cNvSpPr txBox="1"/>
+          <p:nvPr>
+            <p:custDataLst>
+              <p:tags r:id="rId15"/>
+            </p:custDataLst>
+          </p:nvPr>
+        </p:nvSpPr>
+        <p:spPr>
+          <a:xfrm>
+            <a:off x="293370" y="4086860"/>
+            <a:ext cx="2653030" cy="368300"/>
+          </a:xfrm>
+          <a:prstGeom prst="rect">
+            <a:avLst/>
+          </a:prstGeom>
+          <a:noFill/>
+        </p:spPr>
+        <p:txBody>
+          <a:bodyPr wrap="square" rtlCol="0" anchor="t">
+            <a:spAutoFit/>
+          </a:bodyPr>
+          <a:p>
+            <a:r>
+              <a:rPr lang="en-US" altLang="zh-CN">
+                <a:sym typeface="+mn-ea"/>
+              </a:rPr>
+              <a:t>4.</a:t>
+            </a:r>
+            <a:r>
+              <a:rPr lang="zh-CN" altLang="en-US">
+                <a:sym typeface="+mn-ea"/>
+              </a:rPr>
+              <a:t>循环一致性</a:t>
+            </a:r>
+            <a:r>
+              <a:rPr lang="zh-CN">
+                <a:sym typeface="+mn-ea"/>
+              </a:rPr>
+              <a:t>损失</a:t>
+            </a:r>
+            <a:endParaRPr lang="zh-CN" altLang="en-US">
+              <a:sym typeface="+mn-ea"/>
+            </a:endParaRPr>
+          </a:p>
+        </p:txBody>
+      </p:sp>
+      <p:sp>
+        <p:nvSpPr>
+          <p:cNvPr id="18" name="文本框 17"/>
+          <p:cNvSpPr txBox="1"/>
+          <p:nvPr>
+            <p:custDataLst>
+              <p:tags r:id="rId16"/>
+            </p:custDataLst>
+          </p:nvPr>
+        </p:nvSpPr>
+        <p:spPr>
+          <a:xfrm>
+            <a:off x="6355080" y="4086860"/>
+            <a:ext cx="6096000" cy="368300"/>
+          </a:xfrm>
+          <a:prstGeom prst="rect">
+            <a:avLst/>
+          </a:prstGeom>
+          <a:noFill/>
+        </p:spPr>
+        <p:txBody>
+          <a:bodyPr wrap="square" rtlCol="0" anchor="t">
+            <a:spAutoFit/>
+          </a:bodyPr>
+          <a:p>
+            <a:r>
+              <a:rPr lang="zh-CN" altLang="en-US"/>
+              <a:t>风格迁移中的内容不变</a:t>
+            </a:r>
+            <a:endParaRPr lang="zh-CN" altLang="en-US"/>
           </a:p>
         </p:txBody>
       </p:sp>
@@ -8298,6 +8921,300 @@
 </file>
 
 <file path=ppt/slides/slide15.xml><?xml version="1.0" encoding="utf-8"?>
+<p:sld xmlns:a="http://schemas.openxmlformats.org/drawingml/2006/main" xmlns:r="http://schemas.openxmlformats.org/officeDocument/2006/relationships" xmlns:p="http://schemas.openxmlformats.org/presentationml/2006/main">
+  <p:cSld>
+    <p:bg>
+      <p:bgPr>
+        <a:solidFill>
+          <a:schemeClr val="bg2"/>
+        </a:solidFill>
+        <a:effectLst/>
+      </p:bgPr>
+    </p:bg>
+    <p:spTree>
+      <p:nvGrpSpPr>
+        <p:cNvPr id="1" name=""/>
+        <p:cNvGrpSpPr/>
+        <p:nvPr/>
+      </p:nvGrpSpPr>
+      <p:grpSpPr>
+        <a:xfrm>
+          <a:off x="0" y="0"/>
+          <a:ext cx="0" cy="0"/>
+          <a:chOff x="0" y="0"/>
+          <a:chExt cx="0" cy="0"/>
+        </a:xfrm>
+      </p:grpSpPr>
+      <p:sp>
+        <p:nvSpPr>
+          <p:cNvPr id="4" name="TextBox 7"/>
+          <p:cNvSpPr txBox="1">
+            <a:spLocks noChangeArrowheads="1"/>
+          </p:cNvSpPr>
+          <p:nvPr/>
+        </p:nvSpPr>
+        <p:spPr bwMode="auto">
+          <a:xfrm>
+            <a:off x="182880" y="248920"/>
+            <a:ext cx="7907655" cy="577850"/>
+          </a:xfrm>
+          <a:prstGeom prst="rect">
+            <a:avLst/>
+          </a:prstGeom>
+          <a:noFill/>
+          <a:ln>
+            <a:noFill/>
+          </a:ln>
+          <a:extLst>
+            <a:ext uri="{909E8E84-426E-40DD-AFC4-6F175D3DCCD1}">
+              <a14:hiddenFill xmlns:a14="http://schemas.microsoft.com/office/drawing/2010/main">
+                <a:solidFill>
+                  <a:srgbClr val="FFFFFF"/>
+                </a:solidFill>
+              </a14:hiddenFill>
+            </a:ext>
+            <a:ext uri="{91240B29-F687-4F45-9708-019B960494DF}">
+              <a14:hiddenLine xmlns:a14="http://schemas.microsoft.com/office/drawing/2010/main" w="9525">
+                <a:solidFill>
+                  <a:srgbClr val="000000"/>
+                </a:solidFill>
+                <a:miter lim="800000"/>
+                <a:headEnd/>
+                <a:tailEnd/>
+              </a14:hiddenLine>
+            </a:ext>
+          </a:extLst>
+        </p:spPr>
+        <p:txBody>
+          <a:bodyPr wrap="square" lIns="0" rIns="0">
+            <a:noAutofit/>
+          </a:bodyPr>
+          <a:lstStyle>
+            <a:lvl1pPr>
+              <a:defRPr>
+                <a:solidFill>
+                  <a:schemeClr val="tx1"/>
+                </a:solidFill>
+                <a:latin typeface="Source Sans Pro" charset="0"/>
+              </a:defRPr>
+            </a:lvl1pPr>
+            <a:lvl2pPr marL="742950" indent="-285750">
+              <a:defRPr>
+                <a:solidFill>
+                  <a:schemeClr val="tx1"/>
+                </a:solidFill>
+                <a:latin typeface="Source Sans Pro" charset="0"/>
+              </a:defRPr>
+            </a:lvl2pPr>
+            <a:lvl3pPr marL="1143000" indent="-228600">
+              <a:defRPr>
+                <a:solidFill>
+                  <a:schemeClr val="tx1"/>
+                </a:solidFill>
+                <a:latin typeface="Source Sans Pro" charset="0"/>
+              </a:defRPr>
+            </a:lvl3pPr>
+            <a:lvl4pPr marL="1600200" indent="-228600">
+              <a:defRPr>
+                <a:solidFill>
+                  <a:schemeClr val="tx1"/>
+                </a:solidFill>
+                <a:latin typeface="Source Sans Pro" charset="0"/>
+              </a:defRPr>
+            </a:lvl4pPr>
+            <a:lvl5pPr marL="2057400" indent="-228600">
+              <a:defRPr>
+                <a:solidFill>
+                  <a:schemeClr val="tx1"/>
+                </a:solidFill>
+                <a:latin typeface="Source Sans Pro" charset="0"/>
+              </a:defRPr>
+            </a:lvl5pPr>
+            <a:lvl6pPr marL="2514600" indent="-228600" fontAlgn="base">
+              <a:spcBef>
+                <a:spcPct val="0"/>
+              </a:spcBef>
+              <a:spcAft>
+                <a:spcPct val="0"/>
+              </a:spcAft>
+              <a:defRPr>
+                <a:solidFill>
+                  <a:schemeClr val="tx1"/>
+                </a:solidFill>
+                <a:latin typeface="Source Sans Pro" charset="0"/>
+              </a:defRPr>
+            </a:lvl6pPr>
+            <a:lvl7pPr marL="2971800" indent="-228600" fontAlgn="base">
+              <a:spcBef>
+                <a:spcPct val="0"/>
+              </a:spcBef>
+              <a:spcAft>
+                <a:spcPct val="0"/>
+              </a:spcAft>
+              <a:defRPr>
+                <a:solidFill>
+                  <a:schemeClr val="tx1"/>
+                </a:solidFill>
+                <a:latin typeface="Source Sans Pro" charset="0"/>
+              </a:defRPr>
+            </a:lvl7pPr>
+            <a:lvl8pPr marL="3429000" indent="-228600" fontAlgn="base">
+              <a:spcBef>
+                <a:spcPct val="0"/>
+              </a:spcBef>
+              <a:spcAft>
+                <a:spcPct val="0"/>
+              </a:spcAft>
+              <a:defRPr>
+                <a:solidFill>
+                  <a:schemeClr val="tx1"/>
+                </a:solidFill>
+                <a:latin typeface="Source Sans Pro" charset="0"/>
+              </a:defRPr>
+            </a:lvl8pPr>
+            <a:lvl9pPr marL="3886200" indent="-228600" fontAlgn="base">
+              <a:spcBef>
+                <a:spcPct val="0"/>
+              </a:spcBef>
+              <a:spcAft>
+                <a:spcPct val="0"/>
+              </a:spcAft>
+              <a:defRPr>
+                <a:solidFill>
+                  <a:schemeClr val="tx1"/>
+                </a:solidFill>
+                <a:latin typeface="Source Sans Pro" charset="0"/>
+              </a:defRPr>
+            </a:lvl9pPr>
+          </a:lstStyle>
+          <a:p>
+            <a:pPr algn="l">
+              <a:lnSpc>
+                <a:spcPct val="150000"/>
+              </a:lnSpc>
+            </a:pPr>
+            <a:r>
+              <a:rPr lang="zh-CN" sz="2000" b="1" spc="171" dirty="0">
+                <a:solidFill>
+                  <a:srgbClr val="6C3573"/>
+                </a:solidFill>
+                <a:latin typeface="微软雅黑" panose="020B0503020204020204" charset="-122"/>
+                <a:ea typeface="微软雅黑" panose="020B0503020204020204" charset="-122"/>
+              </a:rPr>
+              <a:t>已有研究中的风格迁移指标</a:t>
+            </a:r>
+            <a:endParaRPr lang="zh-CN" sz="2000" b="1" spc="171" dirty="0">
+              <a:solidFill>
+                <a:srgbClr val="6C3573"/>
+              </a:solidFill>
+              <a:latin typeface="微软雅黑" panose="020B0503020204020204" charset="-122"/>
+              <a:ea typeface="微软雅黑" panose="020B0503020204020204" charset="-122"/>
+            </a:endParaRPr>
+          </a:p>
+        </p:txBody>
+      </p:sp>
+      <p:sp>
+        <p:nvSpPr>
+          <p:cNvPr id="3" name="文本框 2"/>
+          <p:cNvSpPr txBox="1"/>
+          <p:nvPr>
+            <p:custDataLst>
+              <p:tags r:id="rId1"/>
+            </p:custDataLst>
+          </p:nvPr>
+        </p:nvSpPr>
+        <p:spPr>
+          <a:xfrm>
+            <a:off x="182880" y="1384300"/>
+            <a:ext cx="6663690" cy="2306955"/>
+          </a:xfrm>
+          <a:prstGeom prst="rect">
+            <a:avLst/>
+          </a:prstGeom>
+          <a:noFill/>
+        </p:spPr>
+        <p:txBody>
+          <a:bodyPr wrap="square" rtlCol="0">
+            <a:spAutoFit/>
+          </a:bodyPr>
+          <a:p>
+            <a:r>
+              <a:rPr lang="en-US">
+                <a:sym typeface="+mn-ea"/>
+              </a:rPr>
+              <a:t>1.SRA</a:t>
+            </a:r>
+            <a:r>
+              <a:rPr lang="zh-CN" altLang="en-US">
+                <a:sym typeface="+mn-ea"/>
+              </a:rPr>
+              <a:t>：风格分类器来预测运动的风格标签的分类器来测量风格化集合上的SRA</a:t>
+            </a:r>
+            <a:endParaRPr lang="zh-CN" altLang="en-US">
+              <a:sym typeface="+mn-ea"/>
+            </a:endParaRPr>
+          </a:p>
+          <a:p>
+            <a:endParaRPr lang="zh-CN" altLang="en-US">
+              <a:sym typeface="+mn-ea"/>
+            </a:endParaRPr>
+          </a:p>
+          <a:p>
+            <a:r>
+              <a:rPr lang="en-US" altLang="zh-CN">
+                <a:sym typeface="+mn-ea"/>
+              </a:rPr>
+              <a:t>2.使具有相同样式标签的成对测试动作在长度上一致，以评估SC  </a:t>
+            </a:r>
+            <a:r>
+              <a:rPr lang="zh-CN" altLang="en-US">
+                <a:sym typeface="+mn-ea"/>
+              </a:rPr>
+              <a:t>（这个在舞蹈上不太现实）</a:t>
+            </a:r>
+            <a:r>
+              <a:rPr lang="en-US" altLang="zh-CN">
+                <a:sym typeface="+mn-ea"/>
+              </a:rPr>
+              <a:t> </a:t>
+            </a:r>
+            <a:endParaRPr lang="en-US" altLang="zh-CN">
+              <a:sym typeface="+mn-ea"/>
+            </a:endParaRPr>
+          </a:p>
+          <a:p>
+            <a:endParaRPr lang="en-US" altLang="zh-CN">
+              <a:sym typeface="+mn-ea"/>
+            </a:endParaRPr>
+          </a:p>
+          <a:p>
+            <a:r>
+              <a:rPr lang="en-US" altLang="zh-CN">
+                <a:sym typeface="+mn-ea"/>
+              </a:rPr>
+              <a:t>3.MFD</a:t>
+            </a:r>
+            <a:r>
+              <a:rPr lang="zh-CN" altLang="en-US">
+                <a:sym typeface="+mn-ea"/>
+              </a:rPr>
+              <a:t>：使用真实舞蹈动作和生成的舞蹈动作之间的Fréchet距离。基于关节速度，加速度计算</a:t>
+            </a:r>
+            <a:endParaRPr lang="zh-CN" altLang="en-US">
+              <a:sym typeface="+mn-ea"/>
+            </a:endParaRPr>
+          </a:p>
+        </p:txBody>
+      </p:sp>
+    </p:spTree>
+  </p:cSld>
+  <p:clrMapOvr>
+    <a:masterClrMapping/>
+  </p:clrMapOvr>
+</p:sld>
+</file>
+
+<file path=ppt/slides/slide16.xml><?xml version="1.0" encoding="utf-8"?>
 <p:sld xmlns:a="http://schemas.openxmlformats.org/drawingml/2006/main" xmlns:r="http://schemas.openxmlformats.org/officeDocument/2006/relationships" xmlns:p="http://schemas.openxmlformats.org/presentationml/2006/main">
   <p:cSld>
     <p:bg>
@@ -8889,7 +9806,7 @@
 </p:sld>
 </file>
 
-<file path=ppt/slides/slide16.xml><?xml version="1.0" encoding="utf-8"?>
+<file path=ppt/slides/slide17.xml><?xml version="1.0" encoding="utf-8"?>
 <p:sld xmlns:a="http://schemas.openxmlformats.org/drawingml/2006/main" xmlns:r="http://schemas.openxmlformats.org/officeDocument/2006/relationships" xmlns:p="http://schemas.openxmlformats.org/presentationml/2006/main">
   <p:cSld>
     <p:bg>
@@ -8953,7 +9870,7 @@
       </p:sp>
       <p:sp>
         <p:nvSpPr>
-          <p:cNvPr id="7" name="文本框 6"/>
+          <p:cNvPr id="14" name="文本框 13"/>
           <p:cNvSpPr txBox="1"/>
           <p:nvPr>
             <p:custDataLst>
@@ -8963,8 +9880,8 @@
         </p:nvSpPr>
         <p:spPr>
           <a:xfrm>
-            <a:off x="638175" y="5447030"/>
-            <a:ext cx="6096000" cy="368300"/>
+            <a:off x="638175" y="4821555"/>
+            <a:ext cx="9848850" cy="1198880"/>
           </a:xfrm>
           <a:prstGeom prst="rect">
             <a:avLst/>
@@ -8980,23 +9897,109 @@
               <a:rPr lang="en-US" altLang="zh-CN">
                 <a:sym typeface="+mn-ea"/>
               </a:rPr>
-              <a:t>8.8-8.15:</a:t>
+              <a:t>7.13-7.27</a:t>
             </a:r>
             <a:r>
               <a:rPr lang="zh-CN" altLang="en-US">
                 <a:sym typeface="+mn-ea"/>
               </a:rPr>
-              <a:t>总结目前相关工作，准备结题答辩</a:t>
+              <a:t>：对于上述迁移，结合</a:t>
+            </a:r>
+            <a:r>
+              <a:rPr lang="en-US" altLang="zh-CN">
+                <a:sym typeface="+mn-ea"/>
+              </a:rPr>
+              <a:t>MotionPuzzle</a:t>
+            </a:r>
+            <a:r>
+              <a:rPr lang="zh-CN" altLang="en-US">
+                <a:sym typeface="+mn-ea"/>
+              </a:rPr>
+              <a:t>的</a:t>
+            </a:r>
+            <a:r>
+              <a:rPr lang="en-US" altLang="zh-CN">
+                <a:sym typeface="+mn-ea"/>
+              </a:rPr>
+              <a:t>BP</a:t>
+            </a:r>
+            <a:r>
+              <a:rPr lang="en-US">
+                <a:sym typeface="+mn-ea"/>
+              </a:rPr>
+              <a:t>Style</a:t>
+            </a:r>
+            <a:r>
+              <a:rPr lang="zh-CN" altLang="en-US">
+                <a:sym typeface="+mn-ea"/>
+              </a:rPr>
+              <a:t>、或者</a:t>
+            </a:r>
+            <a:r>
+              <a:rPr lang="en-US" altLang="zh-CN">
+                <a:sym typeface="+mn-ea"/>
+              </a:rPr>
+              <a:t>EDGE</a:t>
+            </a:r>
+            <a:r>
+              <a:rPr lang="zh-CN" altLang="en-US">
+                <a:sym typeface="+mn-ea"/>
+              </a:rPr>
+              <a:t>的</a:t>
+            </a:r>
+            <a:r>
+              <a:rPr lang="en-US" altLang="zh-CN">
+                <a:sym typeface="+mn-ea"/>
+              </a:rPr>
+              <a:t>Mask</a:t>
+            </a:r>
+            <a:r>
+              <a:rPr lang="zh-CN" altLang="en-US">
+                <a:sym typeface="+mn-ea"/>
+              </a:rPr>
+              <a:t>实现文本控制部分关节的风格（情感、动作）</a:t>
+            </a:r>
+            <a:r>
+              <a:rPr lang="zh-CN" altLang="en-US">
+                <a:sym typeface="+mn-ea"/>
+              </a:rPr>
+              <a:t>迁移</a:t>
             </a:r>
             <a:endParaRPr lang="zh-CN" altLang="en-US">
               <a:sym typeface="+mn-ea"/>
             </a:endParaRPr>
           </a:p>
-        </p:txBody>
-      </p:sp>
-      <p:sp>
-        <p:nvSpPr>
-          <p:cNvPr id="10" name="文本框 9"/>
+          <a:p>
+            <a:endParaRPr lang="zh-CN" altLang="en-US">
+              <a:sym typeface="+mn-ea"/>
+            </a:endParaRPr>
+          </a:p>
+          <a:p>
+            <a:pPr indent="457200"/>
+            <a:r>
+              <a:rPr lang="zh-CN" altLang="en-US">
+                <a:sym typeface="+mn-ea"/>
+              </a:rPr>
+              <a:t>本阶段拟加入实现</a:t>
+            </a:r>
+            <a:r>
+              <a:rPr lang="zh-CN" altLang="en-US" b="1">
+                <a:solidFill>
+                  <a:srgbClr val="FF0000"/>
+                </a:solidFill>
+                <a:sym typeface="+mn-ea"/>
+              </a:rPr>
+              <a:t>文本控制风格迁移</a:t>
+            </a:r>
+            <a:endParaRPr lang="zh-CN" altLang="en-US">
+              <a:sym typeface="+mn-ea"/>
+            </a:endParaRPr>
+          </a:p>
+        </p:txBody>
+      </p:sp>
+      <p:sp>
+        <p:nvSpPr>
+          <p:cNvPr id="16" name="文本框 15"/>
           <p:cNvSpPr txBox="1"/>
           <p:nvPr>
             <p:custDataLst>
@@ -9006,8 +10009,8 @@
         </p:nvSpPr>
         <p:spPr>
           <a:xfrm>
-            <a:off x="638175" y="4936490"/>
-            <a:ext cx="6096000" cy="368300"/>
+            <a:off x="607060" y="3244850"/>
+            <a:ext cx="9740265" cy="1198880"/>
           </a:xfrm>
           <a:prstGeom prst="rect">
             <a:avLst/>
@@ -9023,23 +10026,85 @@
               <a:rPr lang="en-US" altLang="zh-CN">
                 <a:sym typeface="+mn-ea"/>
               </a:rPr>
-              <a:t>8.1-8.8:</a:t>
+              <a:t>6.29-7.13</a:t>
             </a:r>
             <a:r>
               <a:rPr lang="zh-CN" altLang="en-US">
                 <a:sym typeface="+mn-ea"/>
               </a:rPr>
-              <a:t>对比实验</a:t>
+              <a:t>：基于第一阶段工作的网络，接入流派迁移。但是数据集需要相应的舞蹈标签。不知道是基于</a:t>
+            </a:r>
+            <a:r>
+              <a:rPr lang="en-US" altLang="zh-CN">
+                <a:sym typeface="+mn-ea"/>
+              </a:rPr>
+              <a:t>AISTT++</a:t>
+            </a:r>
+            <a:r>
+              <a:rPr lang="zh-CN" altLang="en-US">
+                <a:sym typeface="+mn-ea"/>
+              </a:rPr>
+              <a:t>数据打标签，还是基于已有的数据。</a:t>
             </a:r>
             <a:endParaRPr lang="zh-CN" altLang="en-US">
               <a:sym typeface="+mn-ea"/>
             </a:endParaRPr>
           </a:p>
-        </p:txBody>
-      </p:sp>
-      <p:sp>
-        <p:nvSpPr>
-          <p:cNvPr id="12" name="文本框 11"/>
+          <a:p>
+            <a:endParaRPr lang="zh-CN" altLang="en-US">
+              <a:sym typeface="+mn-ea"/>
+            </a:endParaRPr>
+          </a:p>
+          <a:p>
+            <a:pPr indent="457200"/>
+            <a:r>
+              <a:rPr lang="zh-CN" altLang="en-US">
+                <a:sym typeface="+mn-ea"/>
+              </a:rPr>
+              <a:t>本阶段拟加入实现</a:t>
+            </a:r>
+            <a:r>
+              <a:rPr lang="zh-CN" altLang="en-US" b="1">
+                <a:solidFill>
+                  <a:srgbClr val="FF0000"/>
+                </a:solidFill>
+                <a:sym typeface="+mn-ea"/>
+              </a:rPr>
+              <a:t>舞蹈流派迁移</a:t>
+            </a:r>
+            <a:r>
+              <a:rPr lang="zh-CN" altLang="en-US">
+                <a:sym typeface="+mn-ea"/>
+              </a:rPr>
+              <a:t>：比如</a:t>
+            </a:r>
+            <a:r>
+              <a:rPr lang="en-US" altLang="zh-CN">
+                <a:sym typeface="+mn-ea"/>
+              </a:rPr>
+              <a:t>poping</a:t>
+            </a:r>
+            <a:r>
+              <a:rPr lang="zh-CN" altLang="en-US">
+                <a:sym typeface="+mn-ea"/>
+              </a:rPr>
+              <a:t>转</a:t>
+            </a:r>
+            <a:r>
+              <a:rPr lang="en-US" altLang="zh-CN">
+                <a:sym typeface="+mn-ea"/>
+              </a:rPr>
+              <a:t>ballet</a:t>
+            </a:r>
+            <a:endParaRPr lang="en-US" altLang="zh-CN">
+              <a:sym typeface="+mn-ea"/>
+            </a:endParaRPr>
+          </a:p>
+        </p:txBody>
+      </p:sp>
+      <p:sp>
+        <p:nvSpPr>
+          <p:cNvPr id="17" name="文本框 16"/>
           <p:cNvSpPr txBox="1"/>
           <p:nvPr>
             <p:custDataLst>
@@ -9049,8 +10114,8 @@
         </p:nvSpPr>
         <p:spPr>
           <a:xfrm>
-            <a:off x="638175" y="4425950"/>
-            <a:ext cx="6096000" cy="368300"/>
+            <a:off x="638175" y="1275080"/>
+            <a:ext cx="9738995" cy="1476375"/>
           </a:xfrm>
           <a:prstGeom prst="rect">
             <a:avLst/>
@@ -9066,13 +10131,13 @@
               <a:rPr lang="en-US" altLang="zh-CN">
                 <a:sym typeface="+mn-ea"/>
               </a:rPr>
-              <a:t>7.25-8.1:</a:t>
+              <a:t>6.18-6.29</a:t>
             </a:r>
             <a:r>
               <a:rPr lang="zh-CN" altLang="en-US">
                 <a:sym typeface="+mn-ea"/>
               </a:rPr>
-              <a:t>改进</a:t>
+              <a:t>：相关数据集处理</a:t>
             </a:r>
             <a:r>
               <a:rPr lang="en-US" altLang="zh-CN">
@@ -9084,39 +10149,230 @@
               <a:rPr lang="zh-CN" altLang="en-US">
                 <a:sym typeface="+mn-ea"/>
               </a:rPr>
-              <a:t>数据指标</a:t>
+              <a:t>基于</a:t>
             </a:r>
             <a:r>
               <a:rPr lang="en-US" altLang="zh-CN">
                 <a:sym typeface="+mn-ea"/>
               </a:rPr>
-              <a:t>+</a:t>
+              <a:t>MotionPuzzle</a:t>
             </a:r>
             <a:r>
               <a:rPr lang="zh-CN" altLang="en-US">
                 <a:sym typeface="+mn-ea"/>
               </a:rPr>
-              <a:t>对比实验</a:t>
+              <a:t>实现舞蹈中的情感迁移</a:t>
+            </a:r>
+            <a:r>
+              <a:rPr lang="en-US" altLang="zh-CN">
+                <a:sym typeface="+mn-ea"/>
+              </a:rPr>
+              <a:t>,</a:t>
+            </a:r>
+            <a:r>
+              <a:rPr lang="zh-CN" altLang="en-US">
+                <a:sym typeface="+mn-ea"/>
+              </a:rPr>
+              <a:t>先简单粗暴的将</a:t>
+            </a:r>
+            <a:r>
+              <a:rPr lang="en-US" altLang="zh-CN">
+                <a:sym typeface="+mn-ea"/>
+              </a:rPr>
+              <a:t>dance</a:t>
+            </a:r>
+            <a:r>
+              <a:rPr lang="zh-CN" altLang="en-US">
+                <a:sym typeface="+mn-ea"/>
+              </a:rPr>
+              <a:t>数据集作为</a:t>
+            </a:r>
+            <a:r>
+              <a:rPr lang="en-US" altLang="zh-CN">
+                <a:sym typeface="+mn-ea"/>
+              </a:rPr>
+              <a:t>cotent,motions</a:t>
+            </a:r>
+            <a:r>
+              <a:rPr lang="zh-CN" altLang="en-US">
+                <a:sym typeface="+mn-ea"/>
+              </a:rPr>
+              <a:t>数据集作为</a:t>
+            </a:r>
+            <a:r>
+              <a:rPr lang="en-US" altLang="zh-CN">
+                <a:sym typeface="+mn-ea"/>
+              </a:rPr>
+              <a:t>style</a:t>
+            </a:r>
+            <a:r>
+              <a:rPr lang="zh-CN" altLang="en-US">
+                <a:sym typeface="+mn-ea"/>
+              </a:rPr>
+              <a:t>（</a:t>
+            </a:r>
+            <a:r>
+              <a:rPr lang="en-US" altLang="zh-CN">
+                <a:sym typeface="+mn-ea"/>
+              </a:rPr>
+              <a:t>MotionPuzzle</a:t>
+            </a:r>
+            <a:r>
+              <a:rPr lang="zh-CN" altLang="en-US">
+                <a:sym typeface="+mn-ea"/>
+              </a:rPr>
+              <a:t>本身就是不配对的</a:t>
+            </a:r>
+            <a:r>
+              <a:rPr lang="zh-CN" altLang="en-US">
+                <a:sym typeface="+mn-ea"/>
+              </a:rPr>
+              <a:t>）</a:t>
             </a:r>
             <a:endParaRPr lang="zh-CN" altLang="en-US">
               <a:sym typeface="+mn-ea"/>
             </a:endParaRPr>
           </a:p>
-        </p:txBody>
-      </p:sp>
-      <p:sp>
-        <p:nvSpPr>
-          <p:cNvPr id="13" name="文本框 12"/>
+          <a:p>
+            <a:endParaRPr lang="zh-CN" altLang="en-US">
+              <a:sym typeface="+mn-ea"/>
+            </a:endParaRPr>
+          </a:p>
+          <a:p>
+            <a:pPr indent="457200"/>
+            <a:r>
+              <a:rPr lang="zh-CN" altLang="en-US">
+                <a:sym typeface="+mn-ea"/>
+              </a:rPr>
+              <a:t>本阶段尝试先用</a:t>
+            </a:r>
+            <a:r>
+              <a:rPr lang="en-US" altLang="zh-CN">
+                <a:sym typeface="+mn-ea"/>
+              </a:rPr>
+              <a:t>MotionPuzzle</a:t>
+            </a:r>
+            <a:r>
+              <a:rPr lang="zh-CN" altLang="en-US">
+                <a:sym typeface="+mn-ea"/>
+              </a:rPr>
+              <a:t>提供的开源动作数据集（打了风格标签）与</a:t>
+            </a:r>
+            <a:r>
+              <a:rPr lang="en-US" altLang="zh-CN">
+                <a:sym typeface="+mn-ea"/>
+              </a:rPr>
+              <a:t>AIST++</a:t>
+            </a:r>
+            <a:r>
+              <a:rPr lang="zh-CN" altLang="en-US">
+                <a:sym typeface="+mn-ea"/>
+              </a:rPr>
+              <a:t>一起</a:t>
+            </a:r>
+            <a:r>
+              <a:rPr lang="zh-CN" altLang="en-US">
+                <a:sym typeface="+mn-ea"/>
+              </a:rPr>
+              <a:t>训练，</a:t>
+            </a:r>
+            <a:endParaRPr lang="zh-CN" altLang="en-US">
+              <a:sym typeface="+mn-ea"/>
+            </a:endParaRPr>
+          </a:p>
+          <a:p>
+            <a:pPr indent="457200"/>
+            <a:r>
+              <a:rPr lang="zh-CN" altLang="en-US">
+                <a:sym typeface="+mn-ea"/>
+              </a:rPr>
+              <a:t>拟实现效果：</a:t>
+            </a:r>
+            <a:r>
+              <a:rPr lang="zh-CN" altLang="en-US" b="1">
+                <a:solidFill>
+                  <a:srgbClr val="FF0000"/>
+                </a:solidFill>
+                <a:sym typeface="+mn-ea"/>
+              </a:rPr>
+              <a:t>将动作中的情感迁移到舞蹈中</a:t>
+            </a:r>
+            <a:r>
+              <a:rPr lang="zh-CN" altLang="en-US">
+                <a:sym typeface="+mn-ea"/>
+              </a:rPr>
+              <a:t>：比如愤怒的</a:t>
+            </a:r>
+            <a:r>
+              <a:rPr lang="en-US" altLang="zh-CN">
+                <a:sym typeface="+mn-ea"/>
+              </a:rPr>
+              <a:t>poping</a:t>
+            </a:r>
+            <a:r>
+              <a:rPr lang="zh-CN" altLang="en-US">
+                <a:sym typeface="+mn-ea"/>
+              </a:rPr>
+              <a:t>、悲伤的</a:t>
+            </a:r>
+            <a:r>
+              <a:rPr lang="zh-CN" altLang="en-US">
+                <a:sym typeface="+mn-ea"/>
+              </a:rPr>
+              <a:t>芭蕾舞等</a:t>
+            </a:r>
+            <a:endParaRPr lang="zh-CN" altLang="en-US">
+              <a:sym typeface="+mn-ea"/>
+            </a:endParaRPr>
+          </a:p>
+        </p:txBody>
+      </p:sp>
+    </p:spTree>
+  </p:cSld>
+  <p:clrMapOvr>
+    <a:masterClrMapping/>
+  </p:clrMapOvr>
+</p:sld>
+</file>
+
+<file path=ppt/slides/slide18.xml><?xml version="1.0" encoding="utf-8"?>
+<p:sld xmlns:a="http://schemas.openxmlformats.org/drawingml/2006/main" xmlns:r="http://schemas.openxmlformats.org/officeDocument/2006/relationships" xmlns:p="http://schemas.openxmlformats.org/presentationml/2006/main">
+  <p:cSld>
+    <p:bg>
+      <p:bgPr>
+        <a:solidFill>
+          <a:schemeClr val="bg2"/>
+        </a:solidFill>
+        <a:effectLst/>
+      </p:bgPr>
+    </p:bg>
+    <p:spTree>
+      <p:nvGrpSpPr>
+        <p:cNvPr id="1" name=""/>
+        <p:cNvGrpSpPr/>
+        <p:nvPr/>
+      </p:nvGrpSpPr>
+      <p:grpSpPr>
+        <a:xfrm>
+          <a:off x="0" y="0"/>
+          <a:ext cx="0" cy="0"/>
+          <a:chOff x="0" y="0"/>
+          <a:chExt cx="0" cy="0"/>
+        </a:xfrm>
+      </p:grpSpPr>
+      <p:sp>
+        <p:nvSpPr>
+          <p:cNvPr id="6" name="文本框 5"/>
           <p:cNvSpPr txBox="1"/>
           <p:nvPr>
             <p:custDataLst>
-              <p:tags r:id="rId5"/>
+              <p:tags r:id="rId1"/>
             </p:custDataLst>
           </p:nvPr>
         </p:nvSpPr>
         <p:spPr>
           <a:xfrm>
-            <a:off x="638175" y="3915410"/>
+            <a:off x="511175" y="461010"/>
             <a:ext cx="6096000" cy="368300"/>
           </a:xfrm>
           <a:prstGeom prst="rect">
@@ -9130,28 +10386,10 @@
           </a:bodyPr>
           <a:p>
             <a:r>
-              <a:rPr lang="en-US" altLang="zh-CN">
-                <a:sym typeface="+mn-ea"/>
-              </a:rPr>
-              <a:t>7.18-7.25:</a:t>
-            </a:r>
-            <a:r>
               <a:rPr lang="zh-CN" altLang="en-US">
                 <a:sym typeface="+mn-ea"/>
               </a:rPr>
-              <a:t>改进</a:t>
-            </a:r>
-            <a:r>
-              <a:rPr lang="en-US" altLang="zh-CN">
-                <a:sym typeface="+mn-ea"/>
-              </a:rPr>
-              <a:t>+</a:t>
-            </a:r>
-            <a:r>
-              <a:rPr lang="zh-CN" altLang="en-US">
-                <a:sym typeface="+mn-ea"/>
-              </a:rPr>
-              <a:t>数据指标</a:t>
+              <a:t>工作计划：</a:t>
             </a:r>
             <a:endParaRPr lang="zh-CN" altLang="en-US">
               <a:sym typeface="+mn-ea"/>
@@ -9161,18 +10399,18 @@
       </p:sp>
       <p:sp>
         <p:nvSpPr>
-          <p:cNvPr id="14" name="文本框 13"/>
+          <p:cNvPr id="7" name="文本框 6"/>
           <p:cNvSpPr txBox="1"/>
           <p:nvPr>
             <p:custDataLst>
-              <p:tags r:id="rId6"/>
+              <p:tags r:id="rId2"/>
             </p:custDataLst>
           </p:nvPr>
         </p:nvSpPr>
         <p:spPr>
           <a:xfrm>
-            <a:off x="638175" y="2660650"/>
-            <a:ext cx="7435215" cy="368300"/>
+            <a:off x="638175" y="3060700"/>
+            <a:ext cx="6096000" cy="368300"/>
           </a:xfrm>
           <a:prstGeom prst="rect">
             <a:avLst/>
@@ -9188,13 +10426,13 @@
               <a:rPr lang="en-US" altLang="zh-CN">
                 <a:sym typeface="+mn-ea"/>
               </a:rPr>
-              <a:t>7.4-7.11</a:t>
+              <a:t>8.8-8.15:</a:t>
             </a:r>
             <a:r>
               <a:rPr lang="zh-CN" altLang="en-US">
                 <a:sym typeface="+mn-ea"/>
               </a:rPr>
-              <a:t>：接入流派迁移，即不仅仅是情感迁移，舞蹈流派也能迁移</a:t>
+              <a:t>总结目前相关工作，准备结题答辩</a:t>
             </a:r>
             <a:endParaRPr lang="zh-CN" altLang="en-US">
               <a:sym typeface="+mn-ea"/>
@@ -9204,18 +10442,18 @@
       </p:sp>
       <p:sp>
         <p:nvSpPr>
-          <p:cNvPr id="15" name="文本框 14"/>
+          <p:cNvPr id="17" name="文本框 16"/>
           <p:cNvSpPr txBox="1"/>
           <p:nvPr>
             <p:custDataLst>
-              <p:tags r:id="rId7"/>
+              <p:tags r:id="rId3"/>
             </p:custDataLst>
           </p:nvPr>
         </p:nvSpPr>
         <p:spPr>
           <a:xfrm>
-            <a:off x="638175" y="3171190"/>
-            <a:ext cx="9440545" cy="645160"/>
+            <a:off x="638175" y="1275080"/>
+            <a:ext cx="9738995" cy="1476375"/>
           </a:xfrm>
           <a:prstGeom prst="rect">
             <a:avLst/>
@@ -9231,250 +10469,72 @@
               <a:rPr lang="en-US" altLang="zh-CN">
                 <a:sym typeface="+mn-ea"/>
               </a:rPr>
-              <a:t>7.11-7.18:</a:t>
+              <a:t>7.27-8.8</a:t>
             </a:r>
             <a:r>
               <a:rPr lang="zh-CN" altLang="en-US">
                 <a:sym typeface="+mn-ea"/>
               </a:rPr>
-              <a:t>继续上一周工作</a:t>
+              <a:t>：相关评价指标</a:t>
+            </a:r>
+            <a:r>
+              <a:rPr lang="en-US">
+                <a:sym typeface="+mn-ea"/>
+              </a:rPr>
+              <a:t>SRA</a:t>
+            </a:r>
+            <a:r>
+              <a:rPr lang="zh-CN" altLang="en-US">
+                <a:sym typeface="+mn-ea"/>
+              </a:rPr>
+              <a:t>、</a:t>
             </a:r>
             <a:r>
               <a:rPr lang="en-US" altLang="zh-CN">
                 <a:sym typeface="+mn-ea"/>
               </a:rPr>
-              <a:t>+</a:t>
+              <a:t>MFD</a:t>
             </a:r>
             <a:r>
               <a:rPr lang="zh-CN" altLang="en-US">
                 <a:sym typeface="+mn-ea"/>
               </a:rPr>
-              <a:t>改进。尝试是否能结合</a:t>
-            </a:r>
-            <a:r>
-              <a:rPr lang="en-US" altLang="zh-CN">
-                <a:sym typeface="+mn-ea"/>
-              </a:rPr>
-              <a:t>Text2Motion</a:t>
+              <a:t>以及已有开源的风格迁移网络（</a:t>
             </a:r>
             <a:r>
               <a:rPr lang="zh-CN" altLang="en-US">
                 <a:sym typeface="+mn-ea"/>
               </a:rPr>
-              <a:t>直接通过文本控制舞蹈流派</a:t>
-            </a:r>
-            <a:r>
-              <a:rPr lang="en-US" altLang="zh-CN">
-                <a:sym typeface="+mn-ea"/>
-              </a:rPr>
-              <a:t>/</a:t>
+              <a:t>Unpaired Motion等</a:t>
             </a:r>
             <a:r>
               <a:rPr lang="zh-CN" altLang="en-US">
                 <a:sym typeface="+mn-ea"/>
               </a:rPr>
-              <a:t>情感的迁移</a:t>
-            </a:r>
-            <a:r>
-              <a:rPr lang="en-US" altLang="zh-CN">
-                <a:sym typeface="+mn-ea"/>
-              </a:rPr>
-              <a:t>?</a:t>
-            </a:r>
-            <a:r>
-              <a:rPr lang="zh-CN" altLang="en-US">
-                <a:sym typeface="+mn-ea"/>
-              </a:rPr>
-              <a:t>如果不能完善之前的工作</a:t>
+              <a:t>）进行对比试验</a:t>
             </a:r>
             <a:endParaRPr lang="zh-CN" altLang="en-US">
               <a:sym typeface="+mn-ea"/>
             </a:endParaRPr>
           </a:p>
-        </p:txBody>
-      </p:sp>
-      <p:sp>
-        <p:nvSpPr>
-          <p:cNvPr id="16" name="文本框 15"/>
-          <p:cNvSpPr txBox="1"/>
-          <p:nvPr>
-            <p:custDataLst>
-              <p:tags r:id="rId8"/>
-            </p:custDataLst>
-          </p:nvPr>
-        </p:nvSpPr>
-        <p:spPr>
-          <a:xfrm>
-            <a:off x="638175" y="2150110"/>
-            <a:ext cx="7552055" cy="368300"/>
-          </a:xfrm>
-          <a:prstGeom prst="rect">
-            <a:avLst/>
-          </a:prstGeom>
-          <a:noFill/>
-        </p:spPr>
-        <p:txBody>
-          <a:bodyPr wrap="square" rtlCol="0" anchor="t">
-            <a:spAutoFit/>
-          </a:bodyPr>
-          <a:p>
-            <a:r>
-              <a:rPr lang="en-US" altLang="zh-CN">
-                <a:sym typeface="+mn-ea"/>
-              </a:rPr>
-              <a:t>6.27-7.4</a:t>
-            </a:r>
-            <a:r>
-              <a:rPr lang="zh-CN" altLang="en-US">
-                <a:sym typeface="+mn-ea"/>
-              </a:rPr>
-              <a:t>：继续第一周的工作</a:t>
-            </a:r>
-            <a:r>
-              <a:rPr lang="en-US" altLang="zh-CN">
-                <a:sym typeface="+mn-ea"/>
-              </a:rPr>
-              <a:t>,</a:t>
-            </a:r>
-            <a:r>
-              <a:rPr lang="zh-CN" altLang="en-US">
-                <a:sym typeface="+mn-ea"/>
-              </a:rPr>
-              <a:t>并基于第一周的结果进行改进</a:t>
-            </a:r>
-            <a:endParaRPr lang="en-US" altLang="zh-CN">
+          <a:p>
+            <a:endParaRPr lang="zh-CN" altLang="en-US">
               <a:sym typeface="+mn-ea"/>
             </a:endParaRPr>
           </a:p>
-        </p:txBody>
-      </p:sp>
-      <p:sp>
-        <p:nvSpPr>
-          <p:cNvPr id="17" name="文本框 16"/>
-          <p:cNvSpPr txBox="1"/>
-          <p:nvPr>
-            <p:custDataLst>
-              <p:tags r:id="rId9"/>
-            </p:custDataLst>
-          </p:nvPr>
-        </p:nvSpPr>
-        <p:spPr>
-          <a:xfrm>
-            <a:off x="638175" y="1504950"/>
-            <a:ext cx="9738995" cy="645160"/>
-          </a:xfrm>
-          <a:prstGeom prst="rect">
-            <a:avLst/>
-          </a:prstGeom>
-          <a:noFill/>
-        </p:spPr>
-        <p:txBody>
-          <a:bodyPr wrap="square" rtlCol="0" anchor="t">
-            <a:spAutoFit/>
-          </a:bodyPr>
-          <a:p>
-            <a:r>
-              <a:rPr lang="en-US" altLang="zh-CN">
-                <a:sym typeface="+mn-ea"/>
-              </a:rPr>
-              <a:t>6.18-6.27</a:t>
-            </a:r>
+          <a:p>
+            <a:pPr indent="457200"/>
             <a:r>
               <a:rPr lang="zh-CN" altLang="en-US">
                 <a:sym typeface="+mn-ea"/>
               </a:rPr>
-              <a:t>：相关数据集处理</a:t>
-            </a:r>
-            <a:r>
-              <a:rPr lang="en-US" altLang="zh-CN">
-                <a:sym typeface="+mn-ea"/>
-              </a:rPr>
-              <a:t>+</a:t>
-            </a:r>
-            <a:r>
-              <a:rPr lang="zh-CN" altLang="en-US">
-                <a:sym typeface="+mn-ea"/>
-              </a:rPr>
-              <a:t>基于</a:t>
-            </a:r>
-            <a:r>
-              <a:rPr lang="en-US" altLang="zh-CN">
-                <a:sym typeface="+mn-ea"/>
-              </a:rPr>
-              <a:t>MotionPuzzle</a:t>
-            </a:r>
-            <a:r>
-              <a:rPr lang="zh-CN" altLang="en-US">
-                <a:sym typeface="+mn-ea"/>
-              </a:rPr>
-              <a:t>实现舞蹈中的情感迁移</a:t>
-            </a:r>
-            <a:r>
-              <a:rPr lang="en-US" altLang="zh-CN">
-                <a:sym typeface="+mn-ea"/>
-              </a:rPr>
-              <a:t>,</a:t>
-            </a:r>
-            <a:r>
-              <a:rPr lang="zh-CN" altLang="en-US">
-                <a:sym typeface="+mn-ea"/>
-              </a:rPr>
-              <a:t>先简单粗暴的将</a:t>
-            </a:r>
-            <a:r>
-              <a:rPr lang="en-US" altLang="zh-CN">
-                <a:sym typeface="+mn-ea"/>
-              </a:rPr>
-              <a:t>dance</a:t>
-            </a:r>
-            <a:r>
-              <a:rPr lang="zh-CN" altLang="en-US">
-                <a:sym typeface="+mn-ea"/>
-              </a:rPr>
-              <a:t>数据集作为</a:t>
-            </a:r>
-            <a:r>
-              <a:rPr lang="en-US" altLang="zh-CN">
-                <a:sym typeface="+mn-ea"/>
-              </a:rPr>
-              <a:t>cotent,motions</a:t>
-            </a:r>
-            <a:r>
-              <a:rPr lang="zh-CN" altLang="en-US">
-                <a:sym typeface="+mn-ea"/>
-              </a:rPr>
-              <a:t>数据集作为</a:t>
-            </a:r>
-            <a:r>
-              <a:rPr lang="en-US" altLang="zh-CN">
-                <a:sym typeface="+mn-ea"/>
-              </a:rPr>
-              <a:t>style</a:t>
-            </a:r>
-            <a:r>
-              <a:rPr lang="zh-CN" altLang="en-US">
-                <a:sym typeface="+mn-ea"/>
-              </a:rPr>
-              <a:t>（</a:t>
-            </a:r>
-            <a:r>
-              <a:rPr lang="en-US" altLang="zh-CN">
-                <a:sym typeface="+mn-ea"/>
-              </a:rPr>
-              <a:t>MotionPuzzle</a:t>
-            </a:r>
-            <a:r>
-              <a:rPr lang="zh-CN" altLang="en-US">
-                <a:sym typeface="+mn-ea"/>
-              </a:rPr>
-              <a:t>本身就是不配对的</a:t>
-            </a:r>
-            <a:r>
-              <a:rPr lang="zh-CN" altLang="en-US">
-                <a:sym typeface="+mn-ea"/>
-              </a:rPr>
-              <a:t>）</a:t>
-            </a:r>
+              <a:t>本阶段拟实现效果：数据指标等对比</a:t>
+            </a:r>
+            <a:endParaRPr lang="zh-CN" altLang="en-US">
+              <a:sym typeface="+mn-ea"/>
+            </a:endParaRPr>
+          </a:p>
+          <a:p>
             <a:endParaRPr lang="zh-CN" altLang="en-US">
               <a:sym typeface="+mn-ea"/>
             </a:endParaRPr>
@@ -9633,7 +10693,7 @@
         </p:nvSpPr>
         <p:spPr>
           <a:xfrm>
-            <a:off x="369570" y="2237740"/>
+            <a:off x="443865" y="2237740"/>
             <a:ext cx="6096000" cy="368300"/>
           </a:xfrm>
           <a:prstGeom prst="rect">
@@ -13291,7 +14351,7 @@
               <a:rPr lang="zh-CN">
                 <a:sym typeface="+mn-ea"/>
               </a:rPr>
-              <a:t>联合嵌入损失以更好的聚类</a:t>
+              <a:t>关节嵌入损失以更好的聚类</a:t>
             </a:r>
             <a:r>
               <a:rPr lang="en-US" altLang="zh-CN">
@@ -13354,7 +14414,7 @@
             </a:r>
             <a:r>
               <a:rPr lang="zh-CN"/>
-              <a:t>对抗损失，重构损失，联合嵌入损失（</a:t>
+              <a:t>对抗损失，重构损失，关节嵌入损失（</a:t>
             </a:r>
             <a:r>
               <a:rPr lang="en-US" altLang="zh-CN"/>
@@ -14719,8 +15779,31 @@
 
 <file path=ppt/tags/tag165.xml><?xml version="1.0" encoding="utf-8"?>
 <p:tagLst xmlns:p="http://schemas.openxmlformats.org/presentationml/2006/main">
-  <p:tag name="COMMONDATA" val="eyJoZGlkIjoiMjM5MGE5MGFjZjEyZGU1Mjg2OTA0ZDAyMzI0MmEwZTIifQ=="/>
-  <p:tag name="KSO_WPP_MARK_KEY" val="4769caa5-9654-4b30-87da-1838872a8066"/>
+  <p:tag name="KSO_WM_BEAUTIFY_FLAG" val=""/>
+</p:tagLst>
+</file>
+
+<file path=ppt/tags/tag166.xml><?xml version="1.0" encoding="utf-8"?>
+<p:tagLst xmlns:p="http://schemas.openxmlformats.org/presentationml/2006/main">
+  <p:tag name="KSO_WM_BEAUTIFY_FLAG" val=""/>
+</p:tagLst>
+</file>
+
+<file path=ppt/tags/tag167.xml><?xml version="1.0" encoding="utf-8"?>
+<p:tagLst xmlns:p="http://schemas.openxmlformats.org/presentationml/2006/main">
+  <p:tag name="KSO_WM_BEAUTIFY_FLAG" val=""/>
+</p:tagLst>
+</file>
+
+<file path=ppt/tags/tag168.xml><?xml version="1.0" encoding="utf-8"?>
+<p:tagLst xmlns:p="http://schemas.openxmlformats.org/presentationml/2006/main">
+  <p:tag name="KSO_WM_BEAUTIFY_FLAG" val=""/>
+</p:tagLst>
+</file>
+
+<file path=ppt/tags/tag169.xml><?xml version="1.0" encoding="utf-8"?>
+<p:tagLst xmlns:p="http://schemas.openxmlformats.org/presentationml/2006/main">
+  <p:tag name="KSO_WM_BEAUTIFY_FLAG" val=""/>
 </p:tagLst>
 </file>
 
@@ -14734,6 +15817,37 @@
   <p:tag name="KSO_WM_UNIT_LAYERLEVEL" val="1"/>
   <p:tag name="KSO_WM_TAG_VERSION" val="1.0"/>
   <p:tag name="KSO_WM_BEAUTIFY_FLAG" val="#wm#"/>
+</p:tagLst>
+</file>
+
+<file path=ppt/tags/tag170.xml><?xml version="1.0" encoding="utf-8"?>
+<p:tagLst xmlns:p="http://schemas.openxmlformats.org/presentationml/2006/main">
+  <p:tag name="KSO_WM_BEAUTIFY_FLAG" val=""/>
+</p:tagLst>
+</file>
+
+<file path=ppt/tags/tag171.xml><?xml version="1.0" encoding="utf-8"?>
+<p:tagLst xmlns:p="http://schemas.openxmlformats.org/presentationml/2006/main">
+  <p:tag name="KSO_WM_BEAUTIFY_FLAG" val=""/>
+</p:tagLst>
+</file>
+
+<file path=ppt/tags/tag172.xml><?xml version="1.0" encoding="utf-8"?>
+<p:tagLst xmlns:p="http://schemas.openxmlformats.org/presentationml/2006/main">
+  <p:tag name="KSO_WM_BEAUTIFY_FLAG" val=""/>
+</p:tagLst>
+</file>
+
+<file path=ppt/tags/tag173.xml><?xml version="1.0" encoding="utf-8"?>
+<p:tagLst xmlns:p="http://schemas.openxmlformats.org/presentationml/2006/main">
+  <p:tag name="KSO_WM_BEAUTIFY_FLAG" val=""/>
+</p:tagLst>
+</file>
+
+<file path=ppt/tags/tag174.xml><?xml version="1.0" encoding="utf-8"?>
+<p:tagLst xmlns:p="http://schemas.openxmlformats.org/presentationml/2006/main">
+  <p:tag name="COMMONDATA" val="eyJoZGlkIjoiMjM5MGE5MGFjZjEyZGU1Mjg2OTA0ZDAyMzI0MmEwZTIifQ=="/>
+  <p:tag name="KSO_WPP_MARK_KEY" val="4769caa5-9654-4b30-87da-1838872a8066"/>
 </p:tagLst>
 </file>
 
